--- a/FutureLink 2nd Presentation.pptx
+++ b/FutureLink 2nd Presentation.pptx
@@ -114,7 +114,57 @@
       </a:defRPr>
     </a:lvl9pPr>
   </p:defaultTextStyle>
+  <p:extLst>
+    <p:ext uri="{EFAFB233-063F-42B5-8137-9DF3F51BA10A}">
+      <p15:sldGuideLst xmlns:p15="http://schemas.microsoft.com/office/powerpoint/2012/main"/>
+    </p:ext>
+  </p:extLst>
 </p:presentation>
+</file>
+
+<file path=ppt/changesInfos/changesInfo1.xml><?xml version="1.0" encoding="utf-8"?>
+<pc:chgInfo xmlns:a="http://schemas.openxmlformats.org/drawingml/2006/main" xmlns:r="http://schemas.openxmlformats.org/officeDocument/2006/relationships" xmlns:ac="http://schemas.microsoft.com/office/drawing/2013/main/command" xmlns:pc="http://schemas.microsoft.com/office/powerpoint/2013/main/command">
+  <pc:docChgLst>
+    <pc:chgData name="Aaron Scoot" userId="8a4ea474019915d1" providerId="LiveId" clId="{CE6158B7-BB24-4CBC-8B0A-83899793F910}"/>
+    <pc:docChg chg="modSld">
+      <pc:chgData name="Aaron Scoot" userId="8a4ea474019915d1" providerId="LiveId" clId="{CE6158B7-BB24-4CBC-8B0A-83899793F910}" dt="2024-11-18T03:53:19.164" v="6" actId="1076"/>
+      <pc:docMkLst>
+        <pc:docMk/>
+      </pc:docMkLst>
+      <pc:sldChg chg="modSp mod">
+        <pc:chgData name="Aaron Scoot" userId="8a4ea474019915d1" providerId="LiveId" clId="{CE6158B7-BB24-4CBC-8B0A-83899793F910}" dt="2024-11-18T03:53:19.164" v="6" actId="1076"/>
+        <pc:sldMkLst>
+          <pc:docMk/>
+          <pc:sldMk cId="3185580635" sldId="261"/>
+        </pc:sldMkLst>
+        <pc:spChg chg="mod">
+          <ac:chgData name="Aaron Scoot" userId="8a4ea474019915d1" providerId="LiveId" clId="{CE6158B7-BB24-4CBC-8B0A-83899793F910}" dt="2024-11-18T03:53:16.062" v="5" actId="122"/>
+          <ac:spMkLst>
+            <pc:docMk/>
+            <pc:sldMk cId="3185580635" sldId="261"/>
+            <ac:spMk id="2" creationId="{C6AA2604-6EE5-2003-C0C2-30DBC461E492}"/>
+          </ac:spMkLst>
+        </pc:spChg>
+        <pc:spChg chg="mod">
+          <ac:chgData name="Aaron Scoot" userId="8a4ea474019915d1" providerId="LiveId" clId="{CE6158B7-BB24-4CBC-8B0A-83899793F910}" dt="2024-11-18T03:53:10.628" v="3" actId="20577"/>
+          <ac:spMkLst>
+            <pc:docMk/>
+            <pc:sldMk cId="3185580635" sldId="261"/>
+            <ac:spMk id="3" creationId="{A4442456-4966-69B0-ECE5-54BCC97ED76B}"/>
+          </ac:spMkLst>
+        </pc:spChg>
+        <pc:picChg chg="mod">
+          <ac:chgData name="Aaron Scoot" userId="8a4ea474019915d1" providerId="LiveId" clId="{CE6158B7-BB24-4CBC-8B0A-83899793F910}" dt="2024-11-18T03:53:19.164" v="6" actId="1076"/>
+          <ac:picMkLst>
+            <pc:docMk/>
+            <pc:sldMk cId="3185580635" sldId="261"/>
+            <ac:picMk id="5" creationId="{640013E8-5EAD-A6C3-EC35-FE5D6E240142}"/>
+          </ac:picMkLst>
+        </pc:picChg>
+      </pc:sldChg>
+    </pc:docChg>
+  </pc:docChgLst>
+</pc:chgInfo>
 </file>
 
 <file path=ppt/slideLayouts/slideLayout1.xml><?xml version="1.0" encoding="utf-8"?>
@@ -5893,6 +5943,7 @@
           <a:bodyPr/>
           <a:lstStyle/>
           <a:p>
+            <a:pPr algn="ctr"/>
             <a:r>
               <a:rPr lang="en-US" dirty="0"/>
               <a:t>Login Encryption</a:t>
@@ -5943,10 +5994,7 @@
             <a:br>
               <a:rPr lang="en-US" dirty="0"/>
             </a:br>
-            <a:r>
-              <a:rPr lang="en-US" dirty="0"/>
-              <a:t>AaronScott2025 | Farmingdale14@</a:t>
-            </a:r>
+            <a:endParaRPr lang="en-US" dirty="0"/>
           </a:p>
         </p:txBody>
       </p:sp>
@@ -5972,7 +6020,7 @@
         </p:blipFill>
         <p:spPr>
           <a:xfrm>
-            <a:off x="6671780" y="4123944"/>
+            <a:off x="3884530" y="4270248"/>
             <a:ext cx="4483900" cy="1523940"/>
           </a:xfrm>
           <a:prstGeom prst="rect">
